--- a/ietf-105/IETF105-Hackathon.pptx
+++ b/ietf-105/IETF105-Hackathon.pptx
@@ -10,16 +10,17 @@
     <p:sldId id="265" r:id="rId4"/>
     <p:sldId id="266" r:id="rId5"/>
     <p:sldId id="268" r:id="rId6"/>
-    <p:sldId id="267" r:id="rId7"/>
-    <p:sldId id="264" r:id="rId8"/>
-    <p:sldId id="258" r:id="rId9"/>
-    <p:sldId id="271" r:id="rId10"/>
-    <p:sldId id="272" r:id="rId11"/>
+    <p:sldId id="264" r:id="rId7"/>
+    <p:sldId id="258" r:id="rId8"/>
+    <p:sldId id="271" r:id="rId9"/>
+    <p:sldId id="272" r:id="rId10"/>
+    <p:sldId id="274" r:id="rId11"/>
     <p:sldId id="270" r:id="rId12"/>
-    <p:sldId id="273" r:id="rId13"/>
-    <p:sldId id="263" r:id="rId14"/>
-    <p:sldId id="260" r:id="rId15"/>
-    <p:sldId id="269" r:id="rId16"/>
+    <p:sldId id="267" r:id="rId13"/>
+    <p:sldId id="273" r:id="rId14"/>
+    <p:sldId id="263" r:id="rId15"/>
+    <p:sldId id="260" r:id="rId16"/>
+    <p:sldId id="269" r:id="rId17"/>
   </p:sldIdLst>
   <p:sldSz cx="12192000" cy="6858000"/>
   <p:notesSz cx="6858000" cy="9144000"/>
@@ -257,7 +258,7 @@
           <a:p>
             <a:fld id="{ABA72F88-94AD-4B52-8607-3CADBEF2F562}" type="datetimeFigureOut">
               <a:rPr lang="en-US" smtClean="0"/>
-              <a:t>7/22/2019</a:t>
+              <a:t>7/24/2019</a:t>
             </a:fld>
             <a:endParaRPr lang="en-US"/>
           </a:p>
@@ -427,7 +428,7 @@
           <a:p>
             <a:fld id="{ABA72F88-94AD-4B52-8607-3CADBEF2F562}" type="datetimeFigureOut">
               <a:rPr lang="en-US" smtClean="0"/>
-              <a:t>7/22/2019</a:t>
+              <a:t>7/24/2019</a:t>
             </a:fld>
             <a:endParaRPr lang="en-US"/>
           </a:p>
@@ -607,7 +608,7 @@
           <a:p>
             <a:fld id="{ABA72F88-94AD-4B52-8607-3CADBEF2F562}" type="datetimeFigureOut">
               <a:rPr lang="en-US" smtClean="0"/>
-              <a:t>7/22/2019</a:t>
+              <a:t>7/24/2019</a:t>
             </a:fld>
             <a:endParaRPr lang="en-US"/>
           </a:p>
@@ -777,7 +778,7 @@
           <a:p>
             <a:fld id="{ABA72F88-94AD-4B52-8607-3CADBEF2F562}" type="datetimeFigureOut">
               <a:rPr lang="en-US" smtClean="0"/>
-              <a:t>7/22/2019</a:t>
+              <a:t>7/24/2019</a:t>
             </a:fld>
             <a:endParaRPr lang="en-US"/>
           </a:p>
@@ -1023,7 +1024,7 @@
           <a:p>
             <a:fld id="{ABA72F88-94AD-4B52-8607-3CADBEF2F562}" type="datetimeFigureOut">
               <a:rPr lang="en-US" smtClean="0"/>
-              <a:t>7/22/2019</a:t>
+              <a:t>7/24/2019</a:t>
             </a:fld>
             <a:endParaRPr lang="en-US"/>
           </a:p>
@@ -1255,7 +1256,7 @@
           <a:p>
             <a:fld id="{ABA72F88-94AD-4B52-8607-3CADBEF2F562}" type="datetimeFigureOut">
               <a:rPr lang="en-US" smtClean="0"/>
-              <a:t>7/22/2019</a:t>
+              <a:t>7/24/2019</a:t>
             </a:fld>
             <a:endParaRPr lang="en-US"/>
           </a:p>
@@ -1622,7 +1623,7 @@
           <a:p>
             <a:fld id="{ABA72F88-94AD-4B52-8607-3CADBEF2F562}" type="datetimeFigureOut">
               <a:rPr lang="en-US" smtClean="0"/>
-              <a:t>7/22/2019</a:t>
+              <a:t>7/24/2019</a:t>
             </a:fld>
             <a:endParaRPr lang="en-US"/>
           </a:p>
@@ -1740,7 +1741,7 @@
           <a:p>
             <a:fld id="{ABA72F88-94AD-4B52-8607-3CADBEF2F562}" type="datetimeFigureOut">
               <a:rPr lang="en-US" smtClean="0"/>
-              <a:t>7/22/2019</a:t>
+              <a:t>7/24/2019</a:t>
             </a:fld>
             <a:endParaRPr lang="en-US"/>
           </a:p>
@@ -1835,7 +1836,7 @@
           <a:p>
             <a:fld id="{ABA72F88-94AD-4B52-8607-3CADBEF2F562}" type="datetimeFigureOut">
               <a:rPr lang="en-US" smtClean="0"/>
-              <a:t>7/22/2019</a:t>
+              <a:t>7/24/2019</a:t>
             </a:fld>
             <a:endParaRPr lang="en-US"/>
           </a:p>
@@ -2112,7 +2113,7 @@
           <a:p>
             <a:fld id="{ABA72F88-94AD-4B52-8607-3CADBEF2F562}" type="datetimeFigureOut">
               <a:rPr lang="en-US" smtClean="0"/>
-              <a:t>7/22/2019</a:t>
+              <a:t>7/24/2019</a:t>
             </a:fld>
             <a:endParaRPr lang="en-US"/>
           </a:p>
@@ -2365,7 +2366,7 @@
           <a:p>
             <a:fld id="{ABA72F88-94AD-4B52-8607-3CADBEF2F562}" type="datetimeFigureOut">
               <a:rPr lang="en-US" smtClean="0"/>
-              <a:t>7/22/2019</a:t>
+              <a:t>7/24/2019</a:t>
             </a:fld>
             <a:endParaRPr lang="en-US"/>
           </a:p>
@@ -2578,7 +2579,7 @@
           <a:p>
             <a:fld id="{ABA72F88-94AD-4B52-8607-3CADBEF2F562}" type="datetimeFigureOut">
               <a:rPr lang="en-US" smtClean="0"/>
-              <a:t>7/22/2019</a:t>
+              <a:t>7/24/2019</a:t>
             </a:fld>
             <a:endParaRPr lang="en-US"/>
           </a:p>
@@ -3097,7 +3098,19 @@
           <a:p>
             <a:r>
               <a:rPr lang="en-US" dirty="0" smtClean="0"/>
-              <a:t>Workflow 2: Direct XMPP</a:t>
+              <a:t>Workflow </a:t>
+            </a:r>
+            <a:r>
+              <a:rPr lang="en-US" dirty="0" smtClean="0"/>
+              <a:t>3: </a:t>
+            </a:r>
+            <a:r>
+              <a:rPr lang="en-US" dirty="0" smtClean="0"/>
+              <a:t>Direct </a:t>
+            </a:r>
+            <a:r>
+              <a:rPr lang="en-US" dirty="0" smtClean="0"/>
+              <a:t>XMPP &lt;message&gt;</a:t>
             </a:r>
             <a:endParaRPr lang="en-US" dirty="0"/>
           </a:p>
@@ -3127,15 +3140,15 @@
         </p:blipFill>
         <p:spPr>
           <a:xfrm>
-            <a:off x="914401" y="1611557"/>
-            <a:ext cx="10005646" cy="4639773"/>
+            <a:off x="1327637" y="1611557"/>
+            <a:ext cx="8976947" cy="5009051"/>
           </a:xfrm>
         </p:spPr>
       </p:pic>
     </p:spTree>
     <p:extLst>
       <p:ext uri="{BB962C8B-B14F-4D97-AF65-F5344CB8AC3E}">
-        <p14:creationId xmlns:p14="http://schemas.microsoft.com/office/powerpoint/2010/main" val="2259849951"/>
+        <p14:creationId xmlns:p14="http://schemas.microsoft.com/office/powerpoint/2010/main" val="2196283149"/>
       </p:ext>
     </p:extLst>
   </p:cSld>
@@ -3273,8 +3286,8 @@
         </p:nvSpPr>
         <p:spPr>
           <a:xfrm>
-            <a:off x="838200" y="365126"/>
-            <a:ext cx="10515600" cy="575652"/>
+            <a:off x="405546" y="382710"/>
+            <a:ext cx="10515600" cy="558067"/>
           </a:xfrm>
         </p:spPr>
         <p:txBody>
@@ -3285,7 +3298,7 @@
           <a:p>
             <a:r>
               <a:rPr lang="en-US" dirty="0" smtClean="0"/>
-              <a:t>Translation to CBOR</a:t>
+              <a:t>Storage: Concise Map</a:t>
             </a:r>
             <a:endParaRPr lang="en-US" dirty="0"/>
           </a:p>
@@ -3315,225 +3328,15 @@
         </p:blipFill>
         <p:spPr>
           <a:xfrm>
-            <a:off x="2395787" y="940778"/>
-            <a:ext cx="6477234" cy="5653453"/>
+            <a:off x="405546" y="1222131"/>
+            <a:ext cx="11666292" cy="5284177"/>
           </a:xfrm>
         </p:spPr>
       </p:pic>
-      <p:sp>
-        <p:nvSpPr>
-          <p:cNvPr id="5" name="Left Arrow 4"/>
-          <p:cNvSpPr/>
-          <p:nvPr/>
-        </p:nvSpPr>
-        <p:spPr>
-          <a:xfrm>
-            <a:off x="5634404" y="4659923"/>
-            <a:ext cx="923192" cy="457200"/>
-          </a:xfrm>
-          <a:prstGeom prst="leftArrow">
-            <a:avLst/>
-          </a:prstGeom>
-        </p:spPr>
-        <p:style>
-          <a:lnRef idx="2">
-            <a:schemeClr val="accent1">
-              <a:shade val="50000"/>
-            </a:schemeClr>
-          </a:lnRef>
-          <a:fillRef idx="1">
-            <a:schemeClr val="accent1"/>
-          </a:fillRef>
-          <a:effectRef idx="0">
-            <a:schemeClr val="accent1"/>
-          </a:effectRef>
-          <a:fontRef idx="minor">
-            <a:schemeClr val="lt1"/>
-          </a:fontRef>
-        </p:style>
-        <p:txBody>
-          <a:bodyPr rtlCol="0" anchor="ctr"/>
-          <a:lstStyle/>
-          <a:p>
-            <a:pPr algn="ctr"/>
-            <a:endParaRPr lang="en-US"/>
-          </a:p>
-        </p:txBody>
-      </p:sp>
-      <p:sp>
-        <p:nvSpPr>
-          <p:cNvPr id="6" name="Left Arrow 5"/>
-          <p:cNvSpPr/>
-          <p:nvPr/>
-        </p:nvSpPr>
-        <p:spPr>
-          <a:xfrm>
-            <a:off x="6096000" y="5846885"/>
-            <a:ext cx="870439" cy="465992"/>
-          </a:xfrm>
-          <a:prstGeom prst="leftArrow">
-            <a:avLst/>
-          </a:prstGeom>
-        </p:spPr>
-        <p:style>
-          <a:lnRef idx="2">
-            <a:schemeClr val="accent1">
-              <a:shade val="50000"/>
-            </a:schemeClr>
-          </a:lnRef>
-          <a:fillRef idx="1">
-            <a:schemeClr val="accent1"/>
-          </a:fillRef>
-          <a:effectRef idx="0">
-            <a:schemeClr val="accent1"/>
-          </a:effectRef>
-          <a:fontRef idx="minor">
-            <a:schemeClr val="lt1"/>
-          </a:fontRef>
-        </p:style>
-        <p:txBody>
-          <a:bodyPr rtlCol="0" anchor="ctr"/>
-          <a:lstStyle/>
-          <a:p>
-            <a:pPr algn="ctr"/>
-            <a:endParaRPr lang="en-US"/>
-          </a:p>
-        </p:txBody>
-      </p:sp>
-      <p:sp>
-        <p:nvSpPr>
-          <p:cNvPr id="7" name="TextBox 6"/>
-          <p:cNvSpPr txBox="1"/>
-          <p:nvPr/>
-        </p:nvSpPr>
-        <p:spPr>
-          <a:xfrm>
-            <a:off x="6655777" y="4703884"/>
-            <a:ext cx="3261946" cy="369332"/>
-          </a:xfrm>
-          <a:prstGeom prst="rect">
-            <a:avLst/>
-          </a:prstGeom>
-          <a:noFill/>
-        </p:spPr>
-        <p:txBody>
-          <a:bodyPr wrap="square" rtlCol="0">
-            <a:spAutoFit/>
-          </a:bodyPr>
-          <a:lstStyle/>
-          <a:p>
-            <a:r>
-              <a:rPr lang="en-US" dirty="0" smtClean="0"/>
-              <a:t>System Identifier</a:t>
-            </a:r>
-            <a:endParaRPr lang="en-US" dirty="0"/>
-          </a:p>
-        </p:txBody>
-      </p:sp>
-      <p:sp>
-        <p:nvSpPr>
-          <p:cNvPr id="8" name="TextBox 7"/>
-          <p:cNvSpPr txBox="1"/>
-          <p:nvPr/>
-        </p:nvSpPr>
-        <p:spPr>
-          <a:xfrm>
-            <a:off x="7027985" y="5895215"/>
-            <a:ext cx="3261946" cy="369332"/>
-          </a:xfrm>
-          <a:prstGeom prst="rect">
-            <a:avLst/>
-          </a:prstGeom>
-          <a:noFill/>
-        </p:spPr>
-        <p:txBody>
-          <a:bodyPr wrap="square" rtlCol="0">
-            <a:spAutoFit/>
-          </a:bodyPr>
-          <a:lstStyle/>
-          <a:p>
-            <a:r>
-              <a:rPr lang="en-US" dirty="0" smtClean="0"/>
-              <a:t>Generator</a:t>
-            </a:r>
-            <a:endParaRPr lang="en-US" dirty="0"/>
-          </a:p>
-        </p:txBody>
-      </p:sp>
-      <p:sp>
-        <p:nvSpPr>
-          <p:cNvPr id="9" name="Left Arrow 8"/>
-          <p:cNvSpPr/>
-          <p:nvPr/>
-        </p:nvSpPr>
-        <p:spPr>
-          <a:xfrm>
-            <a:off x="3931627" y="3845170"/>
-            <a:ext cx="923192" cy="457200"/>
-          </a:xfrm>
-          <a:prstGeom prst="leftArrow">
-            <a:avLst/>
-          </a:prstGeom>
-        </p:spPr>
-        <p:style>
-          <a:lnRef idx="2">
-            <a:schemeClr val="accent1">
-              <a:shade val="50000"/>
-            </a:schemeClr>
-          </a:lnRef>
-          <a:fillRef idx="1">
-            <a:schemeClr val="accent1"/>
-          </a:fillRef>
-          <a:effectRef idx="0">
-            <a:schemeClr val="accent1"/>
-          </a:effectRef>
-          <a:fontRef idx="minor">
-            <a:schemeClr val="lt1"/>
-          </a:fontRef>
-        </p:style>
-        <p:txBody>
-          <a:bodyPr rtlCol="0" anchor="ctr"/>
-          <a:lstStyle/>
-          <a:p>
-            <a:pPr algn="ctr"/>
-            <a:endParaRPr lang="en-US"/>
-          </a:p>
-        </p:txBody>
-      </p:sp>
-      <p:sp>
-        <p:nvSpPr>
-          <p:cNvPr id="11" name="TextBox 10"/>
-          <p:cNvSpPr txBox="1"/>
-          <p:nvPr/>
-        </p:nvSpPr>
-        <p:spPr>
-          <a:xfrm>
-            <a:off x="4854819" y="3862060"/>
-            <a:ext cx="7120304" cy="369332"/>
-          </a:xfrm>
-          <a:prstGeom prst="rect">
-            <a:avLst/>
-          </a:prstGeom>
-          <a:noFill/>
-        </p:spPr>
-        <p:txBody>
-          <a:bodyPr wrap="square" rtlCol="0">
-            <a:spAutoFit/>
-          </a:bodyPr>
-          <a:lstStyle/>
-          <a:p>
-            <a:r>
-              <a:rPr lang="en-US" dirty="0" smtClean="0"/>
-              <a:t>“1203” Identifies a link between System Identifier and Generator</a:t>
-            </a:r>
-            <a:endParaRPr lang="en-US" dirty="0"/>
-          </a:p>
-        </p:txBody>
-      </p:sp>
     </p:spTree>
     <p:extLst>
       <p:ext uri="{BB962C8B-B14F-4D97-AF65-F5344CB8AC3E}">
-        <p14:creationId xmlns:p14="http://schemas.microsoft.com/office/powerpoint/2010/main" val="4239155987"/>
+        <p14:creationId xmlns:p14="http://schemas.microsoft.com/office/powerpoint/2010/main" val="1357354346"/>
       </p:ext>
     </p:extLst>
   </p:cSld>
@@ -3572,106 +3375,267 @@
         </p:nvSpPr>
         <p:spPr>
           <a:xfrm>
-            <a:off x="838200" y="360484"/>
-            <a:ext cx="10515600" cy="820250"/>
+            <a:off x="838200" y="365126"/>
+            <a:ext cx="10515600" cy="575652"/>
           </a:xfrm>
         </p:spPr>
         <p:txBody>
-          <a:bodyPr/>
-          <a:lstStyle/>
-          <a:p>
-            <a:r>
-              <a:rPr lang="en-US" dirty="0" smtClean="0"/>
-              <a:t>Things we </a:t>
-            </a:r>
-            <a:r>
-              <a:rPr lang="en-US" dirty="0" smtClean="0"/>
-              <a:t>Learned</a:t>
+          <a:bodyPr>
+            <a:normAutofit fontScale="90000"/>
+          </a:bodyPr>
+          <a:lstStyle/>
+          <a:p>
+            <a:r>
+              <a:rPr lang="en-US" dirty="0" smtClean="0"/>
+              <a:t>Translation to CBOR</a:t>
             </a:r>
             <a:endParaRPr lang="en-US" dirty="0"/>
           </a:p>
         </p:txBody>
       </p:sp>
-      <p:sp>
-        <p:nvSpPr>
-          <p:cNvPr id="3" name="Content Placeholder 2"/>
-          <p:cNvSpPr>
-            <a:spLocks noGrp="1"/>
-          </p:cNvSpPr>
+      <p:pic>
+        <p:nvPicPr>
+          <p:cNvPr id="4" name="Content Placeholder 3"/>
+          <p:cNvPicPr>
+            <a:picLocks noGrp="1" noChangeAspect="1"/>
+          </p:cNvPicPr>
           <p:nvPr>
             <p:ph idx="1"/>
           </p:nvPr>
-        </p:nvSpPr>
+        </p:nvPicPr>
+        <p:blipFill>
+          <a:blip r:embed="rId2">
+            <a:extLst>
+              <a:ext uri="{28A0092B-C50C-407E-A947-70E740481C1C}">
+                <a14:useLocalDpi xmlns:a14="http://schemas.microsoft.com/office/drawing/2010/main" val="0"/>
+              </a:ext>
+            </a:extLst>
+          </a:blip>
+          <a:stretch>
+            <a:fillRect/>
+          </a:stretch>
+        </p:blipFill>
         <p:spPr>
           <a:xfrm>
-            <a:off x="838200" y="1441938"/>
-            <a:ext cx="10515600" cy="4950070"/>
+            <a:off x="2395787" y="940778"/>
+            <a:ext cx="6477234" cy="5653453"/>
           </a:xfrm>
         </p:spPr>
-        <p:txBody>
-          <a:bodyPr>
-            <a:normAutofit lnSpcReduction="10000"/>
+      </p:pic>
+      <p:sp>
+        <p:nvSpPr>
+          <p:cNvPr id="5" name="Left Arrow 4"/>
+          <p:cNvSpPr/>
+          <p:nvPr/>
+        </p:nvSpPr>
+        <p:spPr>
+          <a:xfrm>
+            <a:off x="5634404" y="4659923"/>
+            <a:ext cx="923192" cy="457200"/>
+          </a:xfrm>
+          <a:prstGeom prst="leftArrow">
+            <a:avLst/>
+          </a:prstGeom>
+        </p:spPr>
+        <p:style>
+          <a:lnRef idx="2">
+            <a:schemeClr val="accent1">
+              <a:shade val="50000"/>
+            </a:schemeClr>
+          </a:lnRef>
+          <a:fillRef idx="1">
+            <a:schemeClr val="accent1"/>
+          </a:fillRef>
+          <a:effectRef idx="0">
+            <a:schemeClr val="accent1"/>
+          </a:effectRef>
+          <a:fontRef idx="minor">
+            <a:schemeClr val="lt1"/>
+          </a:fontRef>
+        </p:style>
+        <p:txBody>
+          <a:bodyPr rtlCol="0" anchor="ctr"/>
+          <a:lstStyle/>
+          <a:p>
+            <a:pPr algn="ctr"/>
+            <a:endParaRPr lang="en-US"/>
+          </a:p>
+        </p:txBody>
+      </p:sp>
+      <p:sp>
+        <p:nvSpPr>
+          <p:cNvPr id="6" name="Left Arrow 5"/>
+          <p:cNvSpPr/>
+          <p:nvPr/>
+        </p:nvSpPr>
+        <p:spPr>
+          <a:xfrm>
+            <a:off x="6096000" y="5846885"/>
+            <a:ext cx="870439" cy="465992"/>
+          </a:xfrm>
+          <a:prstGeom prst="leftArrow">
+            <a:avLst/>
+          </a:prstGeom>
+        </p:spPr>
+        <p:style>
+          <a:lnRef idx="2">
+            <a:schemeClr val="accent1">
+              <a:shade val="50000"/>
+            </a:schemeClr>
+          </a:lnRef>
+          <a:fillRef idx="1">
+            <a:schemeClr val="accent1"/>
+          </a:fillRef>
+          <a:effectRef idx="0">
+            <a:schemeClr val="accent1"/>
+          </a:effectRef>
+          <a:fontRef idx="minor">
+            <a:schemeClr val="lt1"/>
+          </a:fontRef>
+        </p:style>
+        <p:txBody>
+          <a:bodyPr rtlCol="0" anchor="ctr"/>
+          <a:lstStyle/>
+          <a:p>
+            <a:pPr algn="ctr"/>
+            <a:endParaRPr lang="en-US"/>
+          </a:p>
+        </p:txBody>
+      </p:sp>
+      <p:sp>
+        <p:nvSpPr>
+          <p:cNvPr id="7" name="TextBox 6"/>
+          <p:cNvSpPr txBox="1"/>
+          <p:nvPr/>
+        </p:nvSpPr>
+        <p:spPr>
+          <a:xfrm>
+            <a:off x="6655777" y="4703884"/>
+            <a:ext cx="3261946" cy="369332"/>
+          </a:xfrm>
+          <a:prstGeom prst="rect">
+            <a:avLst/>
+          </a:prstGeom>
+          <a:noFill/>
+        </p:spPr>
+        <p:txBody>
+          <a:bodyPr wrap="square" rtlCol="0">
+            <a:spAutoFit/>
           </a:bodyPr>
           <a:lstStyle/>
           <a:p>
             <a:r>
               <a:rPr lang="en-US" dirty="0" smtClean="0"/>
-              <a:t>Both Pub/Sub and direct messaging via IQs are valid methods to move data around.</a:t>
-            </a:r>
-          </a:p>
-          <a:p>
-            <a:pPr lvl="1"/>
-            <a:r>
-              <a:rPr lang="en-US" dirty="0" smtClean="0"/>
-              <a:t>We should also try extension points on simple XMPP message stanzas (not just IQs)</a:t>
-            </a:r>
-            <a:endParaRPr lang="en-US" dirty="0" smtClean="0"/>
-          </a:p>
-          <a:p>
-            <a:r>
-              <a:rPr lang="en-US" dirty="0" smtClean="0"/>
-              <a:t>Carl-Heinz was also able to query the MAP data and reconstruct the OVAL system characteristics from it.</a:t>
-            </a:r>
-          </a:p>
-          <a:p>
-            <a:pPr lvl="1"/>
-            <a:r>
-              <a:rPr lang="en-US" dirty="0" smtClean="0"/>
-              <a:t>May enable downstream operations if they require the XML data</a:t>
+              <a:t>System Identifier</a:t>
             </a:r>
             <a:endParaRPr lang="en-US" dirty="0"/>
           </a:p>
-          <a:p>
-            <a:r>
-              <a:rPr lang="en-US" dirty="0"/>
-              <a:t>Right now there's no way to configure a MAP client with the things you want to know.  There's only pre-configured clients</a:t>
-            </a:r>
-            <a:r>
-              <a:rPr lang="en-US" dirty="0" smtClean="0"/>
-              <a:t>.</a:t>
-            </a:r>
-          </a:p>
-          <a:p>
-            <a:pPr lvl="1"/>
-            <a:r>
-              <a:rPr lang="en-US" dirty="0" smtClean="0"/>
-              <a:t>Meaning, specific CDDL and implementation was required before the MAP client could translate the system characteristics.</a:t>
-            </a:r>
-          </a:p>
-          <a:p>
-            <a:pPr lvl="1"/>
-            <a:r>
-              <a:rPr lang="en-US" dirty="0" smtClean="0"/>
-              <a:t>This could fall under capability discovery, i.e. “what specific system characteristics can my MAP client handle?”</a:t>
-            </a:r>
-            <a:endParaRPr lang="en-US" dirty="0" smtClean="0"/>
+        </p:txBody>
+      </p:sp>
+      <p:sp>
+        <p:nvSpPr>
+          <p:cNvPr id="8" name="TextBox 7"/>
+          <p:cNvSpPr txBox="1"/>
+          <p:nvPr/>
+        </p:nvSpPr>
+        <p:spPr>
+          <a:xfrm>
+            <a:off x="7027985" y="5895215"/>
+            <a:ext cx="3261946" cy="369332"/>
+          </a:xfrm>
+          <a:prstGeom prst="rect">
+            <a:avLst/>
+          </a:prstGeom>
+          <a:noFill/>
+        </p:spPr>
+        <p:txBody>
+          <a:bodyPr wrap="square" rtlCol="0">
+            <a:spAutoFit/>
+          </a:bodyPr>
+          <a:lstStyle/>
+          <a:p>
+            <a:r>
+              <a:rPr lang="en-US" dirty="0" smtClean="0"/>
+              <a:t>Generator</a:t>
+            </a:r>
+            <a:endParaRPr lang="en-US" dirty="0"/>
+          </a:p>
+        </p:txBody>
+      </p:sp>
+      <p:sp>
+        <p:nvSpPr>
+          <p:cNvPr id="9" name="Left Arrow 8"/>
+          <p:cNvSpPr/>
+          <p:nvPr/>
+        </p:nvSpPr>
+        <p:spPr>
+          <a:xfrm>
+            <a:off x="3931627" y="3845170"/>
+            <a:ext cx="923192" cy="457200"/>
+          </a:xfrm>
+          <a:prstGeom prst="leftArrow">
+            <a:avLst/>
+          </a:prstGeom>
+        </p:spPr>
+        <p:style>
+          <a:lnRef idx="2">
+            <a:schemeClr val="accent1">
+              <a:shade val="50000"/>
+            </a:schemeClr>
+          </a:lnRef>
+          <a:fillRef idx="1">
+            <a:schemeClr val="accent1"/>
+          </a:fillRef>
+          <a:effectRef idx="0">
+            <a:schemeClr val="accent1"/>
+          </a:effectRef>
+          <a:fontRef idx="minor">
+            <a:schemeClr val="lt1"/>
+          </a:fontRef>
+        </p:style>
+        <p:txBody>
+          <a:bodyPr rtlCol="0" anchor="ctr"/>
+          <a:lstStyle/>
+          <a:p>
+            <a:pPr algn="ctr"/>
+            <a:endParaRPr lang="en-US"/>
+          </a:p>
+        </p:txBody>
+      </p:sp>
+      <p:sp>
+        <p:nvSpPr>
+          <p:cNvPr id="11" name="TextBox 10"/>
+          <p:cNvSpPr txBox="1"/>
+          <p:nvPr/>
+        </p:nvSpPr>
+        <p:spPr>
+          <a:xfrm>
+            <a:off x="4854819" y="3862060"/>
+            <a:ext cx="7120304" cy="369332"/>
+          </a:xfrm>
+          <a:prstGeom prst="rect">
+            <a:avLst/>
+          </a:prstGeom>
+          <a:noFill/>
+        </p:spPr>
+        <p:txBody>
+          <a:bodyPr wrap="square" rtlCol="0">
+            <a:spAutoFit/>
+          </a:bodyPr>
+          <a:lstStyle/>
+          <a:p>
+            <a:r>
+              <a:rPr lang="en-US" dirty="0" smtClean="0"/>
+              <a:t>“1203” Identifies a link between System Identifier and Generator</a:t>
+            </a:r>
+            <a:endParaRPr lang="en-US" dirty="0"/>
           </a:p>
         </p:txBody>
       </p:sp>
     </p:spTree>
     <p:extLst>
       <p:ext uri="{BB962C8B-B14F-4D97-AF65-F5344CB8AC3E}">
-        <p14:creationId xmlns:p14="http://schemas.microsoft.com/office/powerpoint/2010/main" val="2666381158"/>
+        <p14:creationId xmlns:p14="http://schemas.microsoft.com/office/powerpoint/2010/main" val="4239155987"/>
       </p:ext>
     </p:extLst>
   </p:cSld>
@@ -3708,6 +3672,165 @@
             <p:ph type="title"/>
           </p:nvPr>
         </p:nvSpPr>
+        <p:spPr>
+          <a:xfrm>
+            <a:off x="838200" y="360484"/>
+            <a:ext cx="10515600" cy="820250"/>
+          </a:xfrm>
+        </p:spPr>
+        <p:txBody>
+          <a:bodyPr/>
+          <a:lstStyle/>
+          <a:p>
+            <a:r>
+              <a:rPr lang="en-US" dirty="0" smtClean="0"/>
+              <a:t>Things we Learned</a:t>
+            </a:r>
+            <a:endParaRPr lang="en-US" dirty="0"/>
+          </a:p>
+        </p:txBody>
+      </p:sp>
+      <p:sp>
+        <p:nvSpPr>
+          <p:cNvPr id="3" name="Content Placeholder 2"/>
+          <p:cNvSpPr>
+            <a:spLocks noGrp="1"/>
+          </p:cNvSpPr>
+          <p:nvPr>
+            <p:ph idx="1"/>
+          </p:nvPr>
+        </p:nvSpPr>
+        <p:spPr>
+          <a:xfrm>
+            <a:off x="838200" y="1441938"/>
+            <a:ext cx="10515600" cy="4950070"/>
+          </a:xfrm>
+        </p:spPr>
+        <p:txBody>
+          <a:bodyPr>
+            <a:normAutofit fontScale="92500" lnSpcReduction="10000"/>
+          </a:bodyPr>
+          <a:lstStyle/>
+          <a:p>
+            <a:r>
+              <a:rPr lang="en-US" dirty="0" smtClean="0"/>
+              <a:t>We were able to move data between components using 3 methods supported by XMPP</a:t>
+            </a:r>
+          </a:p>
+          <a:p>
+            <a:pPr lvl="1"/>
+            <a:r>
+              <a:rPr lang="en-US" dirty="0" smtClean="0"/>
+              <a:t>Publish/Subscribe</a:t>
+            </a:r>
+          </a:p>
+          <a:p>
+            <a:pPr lvl="1"/>
+            <a:r>
+              <a:rPr lang="en-US" dirty="0" smtClean="0"/>
+              <a:t>Direct messaging via &lt;</a:t>
+            </a:r>
+            <a:r>
+              <a:rPr lang="en-US" dirty="0" err="1" smtClean="0"/>
+              <a:t>iq</a:t>
+            </a:r>
+            <a:r>
+              <a:rPr lang="en-US" dirty="0" smtClean="0"/>
+              <a:t>&gt; stanzas containing custom payload</a:t>
+            </a:r>
+          </a:p>
+          <a:p>
+            <a:pPr lvl="1"/>
+            <a:r>
+              <a:rPr lang="en-US" dirty="0" smtClean="0"/>
+              <a:t>Direct messaging via &lt;message&gt; stanzas containing custom payload</a:t>
+            </a:r>
+            <a:endParaRPr lang="en-US" dirty="0" smtClean="0"/>
+          </a:p>
+          <a:p>
+            <a:r>
+              <a:rPr lang="en-US" dirty="0" smtClean="0"/>
+              <a:t>Carl-Heinz </a:t>
+            </a:r>
+            <a:r>
+              <a:rPr lang="en-US" dirty="0" smtClean="0"/>
+              <a:t>was also able to query the MAP data and reconstruct the OVAL system characteristics from it.</a:t>
+            </a:r>
+          </a:p>
+          <a:p>
+            <a:pPr lvl="1"/>
+            <a:r>
+              <a:rPr lang="en-US" dirty="0" smtClean="0"/>
+              <a:t>May enable downstream operations if they require the XML data</a:t>
+            </a:r>
+            <a:endParaRPr lang="en-US" dirty="0"/>
+          </a:p>
+          <a:p>
+            <a:r>
+              <a:rPr lang="en-US" dirty="0"/>
+              <a:t>Right now there's no way to configure a MAP client with the things you want to know.  There's only pre-configured clients</a:t>
+            </a:r>
+            <a:r>
+              <a:rPr lang="en-US" dirty="0" smtClean="0"/>
+              <a:t>.</a:t>
+            </a:r>
+          </a:p>
+          <a:p>
+            <a:pPr lvl="1"/>
+            <a:r>
+              <a:rPr lang="en-US" dirty="0" smtClean="0"/>
+              <a:t>Meaning, specific CDDL and implementation was required before the MAP client could translate the system characteristics.</a:t>
+            </a:r>
+          </a:p>
+          <a:p>
+            <a:pPr lvl="1"/>
+            <a:r>
+              <a:rPr lang="en-US" dirty="0" smtClean="0"/>
+              <a:t>This could fall under capability discovery, i.e. “what specific system characteristics can my MAP client handle?”</a:t>
+            </a:r>
+          </a:p>
+        </p:txBody>
+      </p:sp>
+    </p:spTree>
+    <p:extLst>
+      <p:ext uri="{BB962C8B-B14F-4D97-AF65-F5344CB8AC3E}">
+        <p14:creationId xmlns:p14="http://schemas.microsoft.com/office/powerpoint/2010/main" val="2666381158"/>
+      </p:ext>
+    </p:extLst>
+  </p:cSld>
+  <p:clrMapOvr>
+    <a:masterClrMapping/>
+  </p:clrMapOvr>
+</p:sld>
+</file>
+
+<file path=ppt/slides/slide15.xml><?xml version="1.0" encoding="utf-8"?>
+<p:sld xmlns:a="http://schemas.openxmlformats.org/drawingml/2006/main" xmlns:r="http://schemas.openxmlformats.org/officeDocument/2006/relationships" xmlns:p="http://schemas.openxmlformats.org/presentationml/2006/main">
+  <p:cSld>
+    <p:spTree>
+      <p:nvGrpSpPr>
+        <p:cNvPr id="1" name=""/>
+        <p:cNvGrpSpPr/>
+        <p:nvPr/>
+      </p:nvGrpSpPr>
+      <p:grpSpPr>
+        <a:xfrm>
+          <a:off x="0" y="0"/>
+          <a:ext cx="0" cy="0"/>
+          <a:chOff x="0" y="0"/>
+          <a:chExt cx="0" cy="0"/>
+        </a:xfrm>
+      </p:grpSpPr>
+      <p:sp>
+        <p:nvSpPr>
+          <p:cNvPr id="2" name="Title 1"/>
+          <p:cNvSpPr>
+            <a:spLocks noGrp="1"/>
+          </p:cNvSpPr>
+          <p:nvPr>
+            <p:ph type="title"/>
+          </p:nvPr>
+        </p:nvSpPr>
         <p:spPr/>
         <p:txBody>
           <a:bodyPr/>
@@ -3739,7 +3862,7 @@
         </p:spPr>
         <p:txBody>
           <a:bodyPr>
-            <a:normAutofit/>
+            <a:normAutofit lnSpcReduction="10000"/>
           </a:bodyPr>
           <a:lstStyle/>
           <a:p>
@@ -3773,8 +3896,15 @@
             <a:pPr lvl="2"/>
             <a:r>
               <a:rPr lang="en-US" dirty="0" smtClean="0"/>
-              <a:t>Can we define an “architecture core” and enable “SACM extension protocols”?</a:t>
-            </a:r>
+              <a:t>Can we define an “architecture core” and enable “SACM extension protocols</a:t>
+            </a:r>
+            <a:r>
+              <a:rPr lang="en-US" dirty="0" smtClean="0"/>
+              <a:t>”?</a:t>
+            </a:r>
+          </a:p>
+          <a:p>
+            <a:pPr lvl="1"/>
             <a:endParaRPr lang="en-US" dirty="0" smtClean="0"/>
           </a:p>
           <a:p>
@@ -3782,7 +3912,6 @@
               <a:rPr lang="en-US" dirty="0" smtClean="0"/>
               <a:t>Continue to refine the OVAL collection models</a:t>
             </a:r>
-            <a:endParaRPr lang="en-US" dirty="0" smtClean="0"/>
           </a:p>
           <a:p>
             <a:pPr lvl="1"/>
@@ -3809,7 +3938,6 @@
               <a:rPr lang="en-US" dirty="0" smtClean="0"/>
               <a:t>Evaluation (or other downstream) operations</a:t>
             </a:r>
-            <a:endParaRPr lang="en-US" dirty="0" smtClean="0"/>
           </a:p>
         </p:txBody>
       </p:sp>
@@ -3826,7 +3954,7 @@
 </p:sld>
 </file>
 
-<file path=ppt/slides/slide15.xml><?xml version="1.0" encoding="utf-8"?>
+<file path=ppt/slides/slide16.xml><?xml version="1.0" encoding="utf-8"?>
 <p:sld xmlns:a="http://schemas.openxmlformats.org/drawingml/2006/main" xmlns:r="http://schemas.openxmlformats.org/officeDocument/2006/relationships" xmlns:p="http://schemas.openxmlformats.org/presentationml/2006/main">
   <p:cSld>
     <p:spTree>
@@ -3995,7 +4123,7 @@
         <p:spPr/>
         <p:txBody>
           <a:bodyPr>
-            <a:normAutofit lnSpcReduction="10000"/>
+            <a:normAutofit fontScale="92500" lnSpcReduction="10000"/>
           </a:bodyPr>
           <a:lstStyle/>
           <a:p>
@@ -4007,10 +4135,29 @@
           <a:p>
             <a:r>
               <a:rPr lang="en-US" dirty="0" smtClean="0"/>
-              <a:t>Determine a data model representing “what was collected”</a:t>
-            </a:r>
-          </a:p>
-          <a:p>
+              <a:t>Determine a data model representing “what was collected</a:t>
+            </a:r>
+            <a:r>
+              <a:rPr lang="en-US" dirty="0" smtClean="0"/>
+              <a:t>”</a:t>
+            </a:r>
+          </a:p>
+          <a:p>
+            <a:r>
+              <a:rPr lang="en-US" dirty="0" smtClean="0"/>
+              <a:t>Implement a simple collector</a:t>
+            </a:r>
+            <a:endParaRPr lang="en-US" dirty="0"/>
+          </a:p>
+          <a:p>
+            <a:r>
+              <a:rPr lang="en-US" dirty="0" smtClean="0"/>
+              <a:t>Do cool things with XMPP</a:t>
+            </a:r>
+            <a:endParaRPr lang="en-US" dirty="0" smtClean="0"/>
+          </a:p>
+          <a:p>
+            <a:pPr lvl="1"/>
             <a:r>
               <a:rPr lang="en-US" dirty="0" smtClean="0"/>
               <a:t>Use XMPP’s </a:t>
@@ -4033,15 +4180,14 @@
             </a:r>
           </a:p>
           <a:p>
-            <a:r>
-              <a:rPr lang="en-US" dirty="0" smtClean="0"/>
-              <a:t>Implement a simple collector</a:t>
-            </a:r>
-          </a:p>
-          <a:p>
-            <a:r>
-              <a:rPr lang="en-US" dirty="0" smtClean="0"/>
-              <a:t>Use various XMPP features (IQ’s and </a:t>
+            <a:pPr lvl="1"/>
+            <a:r>
+              <a:rPr lang="en-US" dirty="0" smtClean="0"/>
+              <a:t>Use </a:t>
+            </a:r>
+            <a:r>
+              <a:rPr lang="en-US" dirty="0" smtClean="0"/>
+              <a:t>various XMPP features (IQ’s and </a:t>
             </a:r>
             <a:r>
               <a:rPr lang="en-US" dirty="0" err="1" smtClean="0"/>
@@ -4055,16 +4201,29 @@
           <a:p>
             <a:r>
               <a:rPr lang="en-US" dirty="0" smtClean="0"/>
-              <a:t>Translate collected information to MAP CBOR data</a:t>
-            </a:r>
-          </a:p>
-          <a:p>
+              <a:t>Do cool things with concise map</a:t>
+            </a:r>
+          </a:p>
+          <a:p>
+            <a:pPr lvl="1"/>
+            <a:r>
+              <a:rPr lang="en-US" dirty="0" smtClean="0"/>
+              <a:t>Translate </a:t>
+            </a:r>
+            <a:r>
+              <a:rPr lang="en-US" dirty="0" smtClean="0"/>
+              <a:t>collected information to MAP CBOR data</a:t>
+            </a:r>
+          </a:p>
+          <a:p>
+            <a:pPr lvl="1"/>
             <a:r>
               <a:rPr lang="en-US" dirty="0" smtClean="0"/>
               <a:t>Publish translated CBOR data to MAP</a:t>
             </a:r>
           </a:p>
           <a:p>
+            <a:pPr lvl="1"/>
             <a:r>
               <a:rPr lang="en-US" dirty="0" smtClean="0"/>
               <a:t>Extract CBOR data from MAP and reconstruct collected XML data</a:t>
@@ -4426,8 +4585,8 @@
         </p:nvSpPr>
         <p:spPr>
           <a:xfrm>
-            <a:off x="405546" y="382710"/>
-            <a:ext cx="10515600" cy="558067"/>
+            <a:off x="838200" y="365126"/>
+            <a:ext cx="10515600" cy="681160"/>
           </a:xfrm>
         </p:spPr>
         <p:txBody>
@@ -4438,45 +4597,225 @@
           <a:p>
             <a:r>
               <a:rPr lang="en-US" dirty="0" smtClean="0"/>
-              <a:t>Storage: Concise Map</a:t>
+              <a:t>Who did what?</a:t>
             </a:r>
             <a:endParaRPr lang="en-US" dirty="0"/>
           </a:p>
         </p:txBody>
       </p:sp>
-      <p:pic>
-        <p:nvPicPr>
-          <p:cNvPr id="4" name="Content Placeholder 3"/>
-          <p:cNvPicPr>
-            <a:picLocks noGrp="1" noChangeAspect="1"/>
-          </p:cNvPicPr>
+      <p:sp>
+        <p:nvSpPr>
+          <p:cNvPr id="3" name="Content Placeholder 2"/>
+          <p:cNvSpPr>
+            <a:spLocks noGrp="1"/>
+          </p:cNvSpPr>
           <p:nvPr>
             <p:ph idx="1"/>
           </p:nvPr>
-        </p:nvPicPr>
-        <p:blipFill>
-          <a:blip r:embed="rId2">
-            <a:extLst>
-              <a:ext uri="{28A0092B-C50C-407E-A947-70E740481C1C}">
-                <a14:useLocalDpi xmlns:a14="http://schemas.microsoft.com/office/drawing/2010/main" val="0"/>
-              </a:ext>
-            </a:extLst>
-          </a:blip>
-          <a:stretch>
-            <a:fillRect/>
-          </a:stretch>
-        </p:blipFill>
+        </p:nvSpPr>
         <p:spPr>
           <a:xfrm>
-            <a:off x="405546" y="1222131"/>
-            <a:ext cx="11666292" cy="5284177"/>
+            <a:off x="448407" y="1183786"/>
+            <a:ext cx="11342077" cy="5515951"/>
           </a:xfrm>
         </p:spPr>
-      </p:pic>
+        <p:txBody>
+          <a:bodyPr>
+            <a:normAutofit fontScale="92500" lnSpcReduction="20000"/>
+          </a:bodyPr>
+          <a:lstStyle/>
+          <a:p>
+            <a:r>
+              <a:rPr lang="en-US" dirty="0" smtClean="0"/>
+              <a:t>Bill was again joined (remotely from Germany) by </a:t>
+            </a:r>
+            <a:r>
+              <a:rPr lang="en-US" b="1" dirty="0" smtClean="0"/>
+              <a:t>Carl-Heinz</a:t>
+            </a:r>
+          </a:p>
+          <a:p>
+            <a:pPr lvl="1"/>
+            <a:r>
+              <a:rPr lang="en-US" dirty="0" smtClean="0"/>
+              <a:t>CH is a MAP ninja and a java wizard</a:t>
+            </a:r>
+          </a:p>
+          <a:p>
+            <a:pPr lvl="1"/>
+            <a:endParaRPr lang="en-US" dirty="0"/>
+          </a:p>
+          <a:p>
+            <a:r>
+              <a:rPr lang="en-US" dirty="0" smtClean="0"/>
+              <a:t>Bill</a:t>
+            </a:r>
+          </a:p>
+          <a:p>
+            <a:pPr lvl="1"/>
+            <a:r>
+              <a:rPr lang="en-US" dirty="0" smtClean="0"/>
+              <a:t>Create/Enable XMPP extensions to handle collection requests (OVAL objects) and collection results (OVAL system characteristics)</a:t>
+            </a:r>
+            <a:endParaRPr lang="en-US" dirty="0"/>
+          </a:p>
+          <a:p>
+            <a:pPr lvl="1"/>
+            <a:r>
+              <a:rPr lang="en-US" dirty="0" smtClean="0"/>
+              <a:t>Trigger </a:t>
+            </a:r>
+            <a:r>
+              <a:rPr lang="en-US" dirty="0"/>
+              <a:t>collection through XMPP </a:t>
+            </a:r>
+            <a:r>
+              <a:rPr lang="en-US" dirty="0" smtClean="0"/>
+              <a:t>IQ stanzas</a:t>
+            </a:r>
+            <a:endParaRPr lang="en-US" dirty="0"/>
+          </a:p>
+          <a:p>
+            <a:pPr lvl="1"/>
+            <a:r>
+              <a:rPr lang="en-US" dirty="0" smtClean="0"/>
+              <a:t>Collect </a:t>
+            </a:r>
+            <a:r>
+              <a:rPr lang="en-US" dirty="0"/>
+              <a:t>Items at an </a:t>
+            </a:r>
+            <a:r>
+              <a:rPr lang="en-US" dirty="0" smtClean="0"/>
+              <a:t>endpoint </a:t>
+            </a:r>
+            <a:r>
+              <a:rPr lang="en-US" dirty="0"/>
+              <a:t>via </a:t>
+            </a:r>
+            <a:r>
+              <a:rPr lang="en-US" dirty="0" smtClean="0"/>
+              <a:t>OVAL collection implementation</a:t>
+            </a:r>
+          </a:p>
+          <a:p>
+            <a:pPr lvl="1"/>
+            <a:r>
+              <a:rPr lang="en-US" dirty="0" smtClean="0"/>
+              <a:t>Push collected OVAL system characteristics to CH (2 methods)</a:t>
+            </a:r>
+            <a:endParaRPr lang="en-US" dirty="0"/>
+          </a:p>
+          <a:p>
+            <a:pPr lvl="2"/>
+            <a:r>
+              <a:rPr lang="en-US" dirty="0" smtClean="0"/>
+              <a:t>Publish </a:t>
+            </a:r>
+            <a:r>
+              <a:rPr lang="en-US" dirty="0"/>
+              <a:t>OVAL system characteristics to XMPP pub/sub </a:t>
+            </a:r>
+            <a:r>
+              <a:rPr lang="en-US" dirty="0" smtClean="0"/>
+              <a:t>topic</a:t>
+            </a:r>
+            <a:endParaRPr lang="en-US" dirty="0"/>
+          </a:p>
+          <a:p>
+            <a:pPr lvl="2"/>
+            <a:r>
+              <a:rPr lang="en-US" dirty="0" smtClean="0"/>
+              <a:t>Enable </a:t>
+            </a:r>
+            <a:r>
+              <a:rPr lang="en-US" dirty="0"/>
+              <a:t>OVAL system characteristics to be sent directly to CH via XMPP IQ stanzas</a:t>
+            </a:r>
+          </a:p>
+          <a:p>
+            <a:r>
+              <a:rPr lang="en-US" dirty="0" smtClean="0"/>
+              <a:t>Carl-Heinz</a:t>
+            </a:r>
+          </a:p>
+          <a:p>
+            <a:pPr lvl="1"/>
+            <a:r>
+              <a:rPr lang="en-US" dirty="0" smtClean="0"/>
+              <a:t>Receive </a:t>
+            </a:r>
+            <a:r>
+              <a:rPr lang="en-US" dirty="0"/>
+              <a:t>collected system </a:t>
+            </a:r>
+            <a:r>
+              <a:rPr lang="en-US" dirty="0" smtClean="0"/>
+              <a:t>characteristics via XMPP adapter (pub/sub, &lt;</a:t>
+            </a:r>
+            <a:r>
+              <a:rPr lang="en-US" dirty="0" err="1" smtClean="0"/>
+              <a:t>iq</a:t>
+            </a:r>
+            <a:r>
+              <a:rPr lang="en-US" dirty="0" smtClean="0"/>
+              <a:t>&gt;, &lt;message&gt;)</a:t>
+            </a:r>
+            <a:endParaRPr lang="en-US" dirty="0"/>
+          </a:p>
+          <a:p>
+            <a:pPr lvl="1"/>
+            <a:r>
+              <a:rPr lang="en-US" dirty="0" smtClean="0"/>
+              <a:t>Translate </a:t>
+            </a:r>
+            <a:r>
+              <a:rPr lang="en-US" dirty="0"/>
+              <a:t>OVAL system characteristics to MAP CBOR data</a:t>
+            </a:r>
+          </a:p>
+          <a:p>
+            <a:pPr lvl="1"/>
+            <a:r>
+              <a:rPr lang="en-US" dirty="0" smtClean="0"/>
+              <a:t>Publish </a:t>
+            </a:r>
+            <a:r>
+              <a:rPr lang="en-US" dirty="0"/>
+              <a:t>translated CBOR data to MAP</a:t>
+            </a:r>
+          </a:p>
+          <a:p>
+            <a:pPr lvl="1"/>
+            <a:r>
+              <a:rPr lang="en-US" dirty="0" smtClean="0"/>
+              <a:t>Search </a:t>
+            </a:r>
+            <a:r>
+              <a:rPr lang="en-US" dirty="0"/>
+              <a:t>via MAP Client for Data</a:t>
+            </a:r>
+          </a:p>
+          <a:p>
+            <a:pPr lvl="1"/>
+            <a:r>
+              <a:rPr lang="en-US" dirty="0" smtClean="0"/>
+              <a:t>Translate </a:t>
+            </a:r>
+            <a:r>
+              <a:rPr lang="en-US" dirty="0"/>
+              <a:t>Data from MAP to XML and see if it is the same as original OVAL Results</a:t>
+            </a:r>
+          </a:p>
+          <a:p>
+            <a:endParaRPr lang="en-US" dirty="0"/>
+          </a:p>
+        </p:txBody>
+      </p:sp>
     </p:spTree>
     <p:extLst>
       <p:ext uri="{BB962C8B-B14F-4D97-AF65-F5344CB8AC3E}">
-        <p14:creationId xmlns:p14="http://schemas.microsoft.com/office/powerpoint/2010/main" val="1357354346"/>
+        <p14:creationId xmlns:p14="http://schemas.microsoft.com/office/powerpoint/2010/main" val="2870724629"/>
       </p:ext>
     </p:extLst>
   </p:cSld>
@@ -4513,216 +4852,112 @@
             <p:ph type="title"/>
           </p:nvPr>
         </p:nvSpPr>
+        <p:spPr/>
+        <p:txBody>
+          <a:bodyPr/>
+          <a:lstStyle/>
+          <a:p>
+            <a:r>
+              <a:rPr lang="en-US" dirty="0" smtClean="0"/>
+              <a:t>Who did what? Bill Edition</a:t>
+            </a:r>
+            <a:endParaRPr lang="en-US" dirty="0"/>
+          </a:p>
+        </p:txBody>
+      </p:sp>
+      <p:sp>
+        <p:nvSpPr>
+          <p:cNvPr id="3" name="Content Placeholder 2"/>
+          <p:cNvSpPr>
+            <a:spLocks noGrp="1"/>
+          </p:cNvSpPr>
+          <p:nvPr>
+            <p:ph idx="1"/>
+          </p:nvPr>
+        </p:nvSpPr>
         <p:spPr>
           <a:xfrm>
-            <a:off x="838200" y="365126"/>
-            <a:ext cx="10515600" cy="681160"/>
+            <a:off x="378069" y="1825625"/>
+            <a:ext cx="11438793" cy="4351338"/>
           </a:xfrm>
         </p:spPr>
         <p:txBody>
-          <a:bodyPr>
-            <a:normAutofit fontScale="90000"/>
-          </a:bodyPr>
-          <a:lstStyle/>
-          <a:p>
-            <a:r>
-              <a:rPr lang="en-US" dirty="0" smtClean="0"/>
-              <a:t>Who did what?</a:t>
+          <a:bodyPr/>
+          <a:lstStyle/>
+          <a:p>
+            <a:r>
+              <a:rPr lang="en-US" dirty="0"/>
+              <a:t>Create/Enable XMPP extensions to handle collection requests (OVAL objects) and collection results (OVAL system characteristics)</a:t>
+            </a:r>
+          </a:p>
+          <a:p>
+            <a:r>
+              <a:rPr lang="en-US" dirty="0"/>
+              <a:t>Trigger collection through XMPP IQ stanzas</a:t>
+            </a:r>
+          </a:p>
+          <a:p>
+            <a:r>
+              <a:rPr lang="en-US" dirty="0"/>
+              <a:t>Collect Items at an endpoint via OVAL collection implementation</a:t>
+            </a:r>
+          </a:p>
+          <a:p>
+            <a:r>
+              <a:rPr lang="en-US" dirty="0"/>
+              <a:t>Push collected OVAL system characteristics to CH </a:t>
+            </a:r>
+            <a:r>
+              <a:rPr lang="en-US" dirty="0" smtClean="0"/>
+              <a:t>(3 </a:t>
+            </a:r>
+            <a:r>
+              <a:rPr lang="en-US" dirty="0"/>
+              <a:t>methods)</a:t>
+            </a:r>
+          </a:p>
+          <a:p>
+            <a:pPr marL="914400" lvl="1" indent="-457200">
+              <a:buFont typeface="+mj-lt"/>
+              <a:buAutoNum type="arabicPeriod"/>
+            </a:pPr>
+            <a:r>
+              <a:rPr lang="en-US" dirty="0"/>
+              <a:t>Publish OVAL system characteristics to XMPP pub/sub topic</a:t>
+            </a:r>
+          </a:p>
+          <a:p>
+            <a:pPr marL="914400" lvl="1" indent="-457200">
+              <a:buFont typeface="+mj-lt"/>
+              <a:buAutoNum type="arabicPeriod"/>
+            </a:pPr>
+            <a:r>
+              <a:rPr lang="en-US" dirty="0"/>
+              <a:t>Enable OVAL system characteristics to be sent directly to CH via XMPP </a:t>
+            </a:r>
+            <a:r>
+              <a:rPr lang="en-US" dirty="0" smtClean="0"/>
+              <a:t>&lt;</a:t>
+            </a:r>
+            <a:r>
+              <a:rPr lang="en-US" dirty="0" err="1" smtClean="0"/>
+              <a:t>iq</a:t>
+            </a:r>
+            <a:r>
+              <a:rPr lang="en-US" dirty="0" smtClean="0"/>
+              <a:t>&gt; stanzas</a:t>
+            </a:r>
+          </a:p>
+          <a:p>
+            <a:pPr marL="914400" lvl="1" indent="-457200">
+              <a:buFont typeface="+mj-lt"/>
+              <a:buAutoNum type="arabicPeriod"/>
+            </a:pPr>
+            <a:r>
+              <a:rPr lang="en-US" dirty="0" smtClean="0"/>
+              <a:t>Enable OVAL system characteristics to be sent directly to CH via XMPP &lt;message&gt; stanzas</a:t>
             </a:r>
             <a:endParaRPr lang="en-US" dirty="0"/>
-          </a:p>
-        </p:txBody>
-      </p:sp>
-      <p:sp>
-        <p:nvSpPr>
-          <p:cNvPr id="3" name="Content Placeholder 2"/>
-          <p:cNvSpPr>
-            <a:spLocks noGrp="1"/>
-          </p:cNvSpPr>
-          <p:nvPr>
-            <p:ph idx="1"/>
-          </p:nvPr>
-        </p:nvSpPr>
-        <p:spPr>
-          <a:xfrm>
-            <a:off x="838200" y="1183786"/>
-            <a:ext cx="10515600" cy="5515951"/>
-          </a:xfrm>
-        </p:spPr>
-        <p:txBody>
-          <a:bodyPr>
-            <a:normAutofit fontScale="92500" lnSpcReduction="20000"/>
-          </a:bodyPr>
-          <a:lstStyle/>
-          <a:p>
-            <a:r>
-              <a:rPr lang="en-US" dirty="0" smtClean="0"/>
-              <a:t>Bill was again joined (remotely from Germany) by </a:t>
-            </a:r>
-            <a:r>
-              <a:rPr lang="en-US" b="1" dirty="0" smtClean="0"/>
-              <a:t>Carl-Heinz</a:t>
-            </a:r>
-          </a:p>
-          <a:p>
-            <a:pPr lvl="1"/>
-            <a:r>
-              <a:rPr lang="en-US" dirty="0" smtClean="0"/>
-              <a:t>CH is a MAP ninja and a java wizard</a:t>
-            </a:r>
-          </a:p>
-          <a:p>
-            <a:pPr lvl="1"/>
-            <a:endParaRPr lang="en-US" dirty="0"/>
-          </a:p>
-          <a:p>
-            <a:r>
-              <a:rPr lang="en-US" dirty="0" smtClean="0"/>
-              <a:t>Bill</a:t>
-            </a:r>
-          </a:p>
-          <a:p>
-            <a:pPr lvl="1"/>
-            <a:r>
-              <a:rPr lang="en-US" dirty="0" smtClean="0"/>
-              <a:t>Create/Enable XMPP extensions to handle collection requests (OVAL objects) and collection results (OVAL system characteristics)</a:t>
-            </a:r>
-            <a:endParaRPr lang="en-US" dirty="0"/>
-          </a:p>
-          <a:p>
-            <a:pPr lvl="1"/>
-            <a:r>
-              <a:rPr lang="en-US" dirty="0" smtClean="0"/>
-              <a:t>Trigger </a:t>
-            </a:r>
-            <a:r>
-              <a:rPr lang="en-US" dirty="0"/>
-              <a:t>collection through XMPP </a:t>
-            </a:r>
-            <a:r>
-              <a:rPr lang="en-US" dirty="0" smtClean="0"/>
-              <a:t>IQ stanzas</a:t>
-            </a:r>
-            <a:endParaRPr lang="en-US" dirty="0"/>
-          </a:p>
-          <a:p>
-            <a:pPr lvl="1"/>
-            <a:r>
-              <a:rPr lang="en-US" dirty="0" smtClean="0"/>
-              <a:t>Collect </a:t>
-            </a:r>
-            <a:r>
-              <a:rPr lang="en-US" dirty="0"/>
-              <a:t>Items at an </a:t>
-            </a:r>
-            <a:r>
-              <a:rPr lang="en-US" dirty="0" smtClean="0"/>
-              <a:t>endpoint </a:t>
-            </a:r>
-            <a:r>
-              <a:rPr lang="en-US" dirty="0"/>
-              <a:t>via </a:t>
-            </a:r>
-            <a:r>
-              <a:rPr lang="en-US" dirty="0" smtClean="0"/>
-              <a:t>OVAL collection implementation</a:t>
-            </a:r>
-          </a:p>
-          <a:p>
-            <a:pPr lvl="1"/>
-            <a:r>
-              <a:rPr lang="en-US" dirty="0" smtClean="0"/>
-              <a:t>Push collected OVAL system characteristics to CH (2 methods)</a:t>
-            </a:r>
-            <a:endParaRPr lang="en-US" dirty="0"/>
-          </a:p>
-          <a:p>
-            <a:pPr lvl="2"/>
-            <a:r>
-              <a:rPr lang="en-US" dirty="0" smtClean="0"/>
-              <a:t>Publish </a:t>
-            </a:r>
-            <a:r>
-              <a:rPr lang="en-US" dirty="0"/>
-              <a:t>OVAL system characteristics to XMPP pub/sub </a:t>
-            </a:r>
-            <a:r>
-              <a:rPr lang="en-US" dirty="0" smtClean="0"/>
-              <a:t>topic</a:t>
-            </a:r>
-            <a:endParaRPr lang="en-US" dirty="0"/>
-          </a:p>
-          <a:p>
-            <a:pPr lvl="2"/>
-            <a:r>
-              <a:rPr lang="en-US" dirty="0" smtClean="0"/>
-              <a:t>Enable </a:t>
-            </a:r>
-            <a:r>
-              <a:rPr lang="en-US" dirty="0"/>
-              <a:t>OVAL system characteristics to be sent directly to CH via XMPP IQ stanzas</a:t>
-            </a:r>
-          </a:p>
-          <a:p>
-            <a:r>
-              <a:rPr lang="en-US" dirty="0" smtClean="0"/>
-              <a:t>Carl-Heinz</a:t>
-            </a:r>
-          </a:p>
-          <a:p>
-            <a:pPr lvl="1"/>
-            <a:r>
-              <a:rPr lang="en-US" dirty="0" smtClean="0"/>
-              <a:t>Subscribe </a:t>
-            </a:r>
-            <a:r>
-              <a:rPr lang="en-US" dirty="0"/>
-              <a:t>to XMPP pub/sub topic to receive collected system characteristics</a:t>
-            </a:r>
-          </a:p>
-          <a:p>
-            <a:pPr lvl="1"/>
-            <a:r>
-              <a:rPr lang="en-US" dirty="0" smtClean="0"/>
-              <a:t>Translate </a:t>
-            </a:r>
-            <a:r>
-              <a:rPr lang="en-US" dirty="0"/>
-              <a:t>OVAL system characteristics to MAP CBOR data</a:t>
-            </a:r>
-          </a:p>
-          <a:p>
-            <a:pPr lvl="1"/>
-            <a:r>
-              <a:rPr lang="en-US" dirty="0" smtClean="0"/>
-              <a:t>Publish </a:t>
-            </a:r>
-            <a:r>
-              <a:rPr lang="en-US" dirty="0"/>
-              <a:t>translated CBOR data to MAP</a:t>
-            </a:r>
-          </a:p>
-          <a:p>
-            <a:pPr lvl="1"/>
-            <a:r>
-              <a:rPr lang="en-US" dirty="0" smtClean="0"/>
-              <a:t>Search </a:t>
-            </a:r>
-            <a:r>
-              <a:rPr lang="en-US" dirty="0"/>
-              <a:t>via MAP Client for Data</a:t>
-            </a:r>
-          </a:p>
-          <a:p>
-            <a:pPr lvl="1"/>
-            <a:r>
-              <a:rPr lang="en-US" dirty="0" smtClean="0"/>
-              <a:t>Translate </a:t>
-            </a:r>
-            <a:r>
-              <a:rPr lang="en-US" dirty="0"/>
-              <a:t>Data from MAP to XML and see if it is the same as original OVAL Results</a:t>
-            </a:r>
           </a:p>
           <a:p>
             <a:endParaRPr lang="en-US" dirty="0"/>
@@ -4732,7 +4967,7 @@
     </p:spTree>
     <p:extLst>
       <p:ext uri="{BB962C8B-B14F-4D97-AF65-F5344CB8AC3E}">
-        <p14:creationId xmlns:p14="http://schemas.microsoft.com/office/powerpoint/2010/main" val="2870724629"/>
+        <p14:creationId xmlns:p14="http://schemas.microsoft.com/office/powerpoint/2010/main" val="1530023032"/>
       </p:ext>
     </p:extLst>
   </p:cSld>
@@ -4776,79 +5011,45 @@
           <a:p>
             <a:r>
               <a:rPr lang="en-US" dirty="0" smtClean="0"/>
-              <a:t>Who did what? Bill Edition</a:t>
+              <a:t>Workflow 1: Pub/Sub</a:t>
             </a:r>
             <a:endParaRPr lang="en-US" dirty="0"/>
           </a:p>
         </p:txBody>
       </p:sp>
-      <p:sp>
-        <p:nvSpPr>
-          <p:cNvPr id="3" name="Content Placeholder 2"/>
-          <p:cNvSpPr>
-            <a:spLocks noGrp="1"/>
-          </p:cNvSpPr>
+      <p:pic>
+        <p:nvPicPr>
+          <p:cNvPr id="4" name="Content Placeholder 3"/>
+          <p:cNvPicPr>
+            <a:picLocks noGrp="1" noChangeAspect="1"/>
+          </p:cNvPicPr>
           <p:nvPr>
             <p:ph idx="1"/>
           </p:nvPr>
-        </p:nvSpPr>
-        <p:spPr/>
-        <p:txBody>
-          <a:bodyPr/>
-          <a:lstStyle/>
-          <a:p>
-            <a:r>
-              <a:rPr lang="en-US" dirty="0"/>
-              <a:t>Create/Enable XMPP extensions to handle collection requests (OVAL objects) and collection results (OVAL system characteristics)</a:t>
-            </a:r>
-          </a:p>
-          <a:p>
-            <a:r>
-              <a:rPr lang="en-US" dirty="0"/>
-              <a:t>Trigger collection through XMPP IQ stanzas</a:t>
-            </a:r>
-          </a:p>
-          <a:p>
-            <a:r>
-              <a:rPr lang="en-US" dirty="0"/>
-              <a:t>Collect Items at an endpoint via OVAL collection implementation</a:t>
-            </a:r>
-          </a:p>
-          <a:p>
-            <a:r>
-              <a:rPr lang="en-US" dirty="0"/>
-              <a:t>Push collected OVAL system characteristics to CH (2 methods)</a:t>
-            </a:r>
-          </a:p>
-          <a:p>
-            <a:pPr marL="914400" lvl="1" indent="-457200">
-              <a:buFont typeface="+mj-lt"/>
-              <a:buAutoNum type="arabicPeriod"/>
-            </a:pPr>
-            <a:r>
-              <a:rPr lang="en-US" dirty="0"/>
-              <a:t>Publish OVAL system characteristics to XMPP pub/sub topic</a:t>
-            </a:r>
-          </a:p>
-          <a:p>
-            <a:pPr marL="914400" lvl="1" indent="-457200">
-              <a:buFont typeface="+mj-lt"/>
-              <a:buAutoNum type="arabicPeriod"/>
-            </a:pPr>
-            <a:r>
-              <a:rPr lang="en-US" dirty="0"/>
-              <a:t>Enable OVAL system characteristics to be sent directly to CH via XMPP IQ stanzas</a:t>
-            </a:r>
-          </a:p>
-          <a:p>
-            <a:endParaRPr lang="en-US" dirty="0"/>
-          </a:p>
-        </p:txBody>
-      </p:sp>
+        </p:nvPicPr>
+        <p:blipFill>
+          <a:blip r:embed="rId2">
+            <a:extLst>
+              <a:ext uri="{28A0092B-C50C-407E-A947-70E740481C1C}">
+                <a14:useLocalDpi xmlns:a14="http://schemas.microsoft.com/office/drawing/2010/main" val="0"/>
+              </a:ext>
+            </a:extLst>
+          </a:blip>
+          <a:stretch>
+            <a:fillRect/>
+          </a:stretch>
+        </p:blipFill>
+        <p:spPr>
+          <a:xfrm>
+            <a:off x="838200" y="1450824"/>
+            <a:ext cx="10046677" cy="5081861"/>
+          </a:xfrm>
+        </p:spPr>
+      </p:pic>
     </p:spTree>
     <p:extLst>
       <p:ext uri="{BB962C8B-B14F-4D97-AF65-F5344CB8AC3E}">
-        <p14:creationId xmlns:p14="http://schemas.microsoft.com/office/powerpoint/2010/main" val="1530023032"/>
+        <p14:creationId xmlns:p14="http://schemas.microsoft.com/office/powerpoint/2010/main" val="2277803965"/>
       </p:ext>
     </p:extLst>
   </p:cSld>
@@ -4892,7 +5093,19 @@
           <a:p>
             <a:r>
               <a:rPr lang="en-US" dirty="0" smtClean="0"/>
-              <a:t>Workflow 1: Pub/Sub</a:t>
+              <a:t>Workflow 2: Direct </a:t>
+            </a:r>
+            <a:r>
+              <a:rPr lang="en-US" dirty="0" smtClean="0"/>
+              <a:t>XMPP &lt;</a:t>
+            </a:r>
+            <a:r>
+              <a:rPr lang="en-US" dirty="0" err="1" smtClean="0"/>
+              <a:t>iq</a:t>
+            </a:r>
+            <a:r>
+              <a:rPr lang="en-US" dirty="0" smtClean="0"/>
+              <a:t>&gt;</a:t>
             </a:r>
             <a:endParaRPr lang="en-US" dirty="0"/>
           </a:p>
@@ -4922,15 +5135,15 @@
         </p:blipFill>
         <p:spPr>
           <a:xfrm>
-            <a:off x="838200" y="1450824"/>
-            <a:ext cx="10046677" cy="5081861"/>
+            <a:off x="914401" y="1611557"/>
+            <a:ext cx="10005646" cy="4639773"/>
           </a:xfrm>
         </p:spPr>
       </p:pic>
     </p:spTree>
     <p:extLst>
       <p:ext uri="{BB962C8B-B14F-4D97-AF65-F5344CB8AC3E}">
-        <p14:creationId xmlns:p14="http://schemas.microsoft.com/office/powerpoint/2010/main" val="2277803965"/>
+        <p14:creationId xmlns:p14="http://schemas.microsoft.com/office/powerpoint/2010/main" val="2259849951"/>
       </p:ext>
     </p:extLst>
   </p:cSld>
